--- a/org.faktorips.doc/schulung/anwendungsentwicklung2/FaktorIPS-Schulung 3-B - Modellierung Vertragsseite.pptx
+++ b/org.faktorips.doc/schulung/anwendungsentwicklung2/FaktorIPS-Schulung 3-B - Modellierung Vertragsseite.pptx
@@ -1157,7 +1157,7 @@
           <a:p>
             <a:fld id="{6FBAD584-8D21-4D2A-AC6E-3A1CF10E3230}" type="datetime1">
               <a:rPr lang="de-DE" smtClean="0"/>
-              <a:t>17.05.2013</a:t>
+              <a:t>14.04.2015</a:t>
             </a:fld>
             <a:endParaRPr lang="de-DE" dirty="0"/>
           </a:p>
@@ -2490,7 +2490,7 @@
           <a:p>
             <a:fld id="{D82B7281-7C7C-4DFE-A3BD-29E713194CD1}" type="datetime1">
               <a:rPr lang="de-DE" smtClean="0"/>
-              <a:t>17.05.2013</a:t>
+              <a:t>14.04.2015</a:t>
             </a:fld>
             <a:endParaRPr lang="de-DE" dirty="0"/>
           </a:p>
@@ -2687,7 +2687,7 @@
           <a:p>
             <a:fld id="{8087AA2E-1485-43FF-B889-F71A5AD0C141}" type="datetime1">
               <a:rPr lang="de-DE" smtClean="0"/>
-              <a:t>17.05.2013</a:t>
+              <a:t>14.04.2015</a:t>
             </a:fld>
             <a:endParaRPr lang="de-DE" dirty="0"/>
           </a:p>
@@ -3629,7 +3629,7 @@
           <a:p>
             <a:fld id="{A696B26E-E14A-43B2-9884-A2EB920A15F3}" type="datetime1">
               <a:rPr lang="de-DE" smtClean="0"/>
-              <a:t>17.05.2013</a:t>
+              <a:t>14.04.2015</a:t>
             </a:fld>
             <a:endParaRPr lang="de-DE" dirty="0"/>
           </a:p>
@@ -3806,7 +3806,7 @@
           <a:p>
             <a:fld id="{18555F6D-E38F-473D-9BF7-97DE8712103B}" type="datetime1">
               <a:rPr lang="de-DE" smtClean="0"/>
-              <a:t>17.05.2013</a:t>
+              <a:t>14.04.2015</a:t>
             </a:fld>
             <a:endParaRPr lang="de-DE" dirty="0"/>
           </a:p>
@@ -4011,7 +4011,7 @@
           <a:p>
             <a:fld id="{D55DA413-085F-418A-B766-622B9739B559}" type="datetime1">
               <a:rPr lang="de-DE" smtClean="0"/>
-              <a:t>17.05.2013</a:t>
+              <a:t>14.04.2015</a:t>
             </a:fld>
             <a:endParaRPr lang="de-DE" dirty="0"/>
           </a:p>
@@ -4183,7 +4183,7 @@
           <a:p>
             <a:fld id="{4FE41EEC-1624-4AF7-989F-9C6AB8E2E025}" type="datetime1">
               <a:rPr lang="de-DE" smtClean="0"/>
-              <a:t>17.05.2013</a:t>
+              <a:t>14.04.2015</a:t>
             </a:fld>
             <a:endParaRPr lang="de-DE" dirty="0"/>
           </a:p>
@@ -4404,7 +4404,7 @@
           <a:p>
             <a:fld id="{1151AF59-8618-44B9-84D8-B0911ABA69BC}" type="datetime1">
               <a:rPr lang="de-DE" smtClean="0"/>
-              <a:t>17.05.2013</a:t>
+              <a:t>14.04.2015</a:t>
             </a:fld>
             <a:endParaRPr lang="de-DE" dirty="0"/>
           </a:p>
@@ -4602,7 +4602,7 @@
           <a:p>
             <a:fld id="{B082CFA9-6CA2-465C-98E8-95C32057BD8B}" type="datetime1">
               <a:rPr lang="de-DE" smtClean="0"/>
-              <a:t>17.05.2013</a:t>
+              <a:t>14.04.2015</a:t>
             </a:fld>
             <a:endParaRPr lang="de-DE" dirty="0"/>
           </a:p>
@@ -5869,7 +5869,7 @@
           <a:p>
             <a:fld id="{FB87C2A5-214D-40B2-87BD-0FAEC400228C}" type="datetime1">
               <a:rPr lang="de-DE" smtClean="0"/>
-              <a:t>17.05.2013</a:t>
+              <a:t>14.04.2015</a:t>
             </a:fld>
             <a:endParaRPr lang="de-DE" dirty="0"/>
           </a:p>
@@ -6857,7 +6857,7 @@
           <a:p>
             <a:fld id="{27572C45-1829-47B5-A148-1D8757BD1341}" type="datetime1">
               <a:rPr lang="de-DE" smtClean="0"/>
-              <a:t>17.05.2013</a:t>
+              <a:t>14.04.2015</a:t>
             </a:fld>
             <a:endParaRPr lang="de-DE" dirty="0"/>
           </a:p>
@@ -7428,7 +7428,7 @@
           <a:p>
             <a:fld id="{4F8064E9-495B-4606-B706-96F1D7D84321}" type="datetime1">
               <a:rPr lang="de-DE" smtClean="0"/>
-              <a:t>17.05.2013</a:t>
+              <a:t>14.04.2015</a:t>
             </a:fld>
             <a:endParaRPr lang="de-DE" dirty="0"/>
           </a:p>
@@ -8919,7 +8919,7 @@
           <a:p>
             <a:fld id="{9669DADC-14DE-42A0-A7E8-73329AEC7678}" type="datetime1">
               <a:rPr lang="de-DE" smtClean="0"/>
-              <a:t>17.05.2013</a:t>
+              <a:t>14.04.2015</a:t>
             </a:fld>
             <a:endParaRPr lang="de-DE" dirty="0"/>
           </a:p>
@@ -9600,7 +9600,7 @@
           <a:p>
             <a:fld id="{0D09A36B-E63D-4D0F-9F13-F0B1A1F849CE}" type="datetime1">
               <a:rPr lang="de-DE" smtClean="0"/>
-              <a:t>17.05.2013</a:t>
+              <a:t>14.04.2015</a:t>
             </a:fld>
             <a:endParaRPr lang="de-DE" dirty="0"/>
           </a:p>
@@ -10202,7 +10202,7 @@
           <a:p>
             <a:fld id="{3EAD902E-3CB8-47F2-9E85-D973463EC305}" type="datetime1">
               <a:rPr lang="de-DE" smtClean="0"/>
-              <a:t>17.05.2013</a:t>
+              <a:t>14.04.2015</a:t>
             </a:fld>
             <a:endParaRPr lang="de-DE" dirty="0"/>
           </a:p>
@@ -11413,7 +11413,7 @@
           <a:p>
             <a:fld id="{8D456790-1E44-4D2D-8838-5D0338CDA763}" type="datetime1">
               <a:rPr lang="de-DE" smtClean="0"/>
-              <a:t>17.05.2013</a:t>
+              <a:t>14.04.2015</a:t>
             </a:fld>
             <a:endParaRPr lang="de-DE" dirty="0"/>
           </a:p>
@@ -11520,7 +11520,7 @@
           <a:p>
             <a:fld id="{DA62062E-B5C1-48C8-92D5-BE92A6147193}" type="datetime1">
               <a:rPr lang="de-DE" smtClean="0"/>
-              <a:t>17.05.2013</a:t>
+              <a:t>14.04.2015</a:t>
             </a:fld>
             <a:endParaRPr lang="de-DE" dirty="0"/>
           </a:p>
@@ -12666,7 +12666,7 @@
           <a:p>
             <a:fld id="{0AA0709E-E381-412E-BAB1-F905379F450E}" type="datetime1">
               <a:rPr lang="de-DE" smtClean="0"/>
-              <a:t>17.05.2013</a:t>
+              <a:t>14.04.2015</a:t>
             </a:fld>
             <a:endParaRPr lang="de-DE" dirty="0"/>
           </a:p>
@@ -12750,7 +12750,7 @@
           <a:p>
             <a:fld id="{6FBAD584-8D21-4D2A-AC6E-3A1CF10E3230}" type="datetime1">
               <a:rPr lang="de-DE" smtClean="0"/>
-              <a:t>17.05.2013</a:t>
+              <a:t>14.04.2015</a:t>
             </a:fld>
             <a:endParaRPr lang="de-DE" dirty="0"/>
           </a:p>
@@ -13009,7 +13009,7 @@
           <a:p>
             <a:fld id="{D298286E-66C5-4BB5-B4E9-FCB597AF30C7}" type="datetime1">
               <a:rPr lang="de-DE" smtClean="0"/>
-              <a:t>17.05.2013</a:t>
+              <a:t>14.04.2015</a:t>
             </a:fld>
             <a:endParaRPr lang="de-DE" dirty="0"/>
           </a:p>
@@ -13150,7 +13150,7 @@
           <a:p>
             <a:fld id="{41BBAF7B-733A-4F37-9FDF-DC6D83DD6053}" type="datetime1">
               <a:rPr lang="de-DE" smtClean="0"/>
-              <a:t>17.05.2013</a:t>
+              <a:t>14.04.2015</a:t>
             </a:fld>
             <a:endParaRPr lang="de-DE" dirty="0"/>
           </a:p>
@@ -14274,7 +14274,7 @@
           <a:p>
             <a:fld id="{60BF0E83-217B-49E4-A815-0CA479129D2B}" type="datetime1">
               <a:rPr lang="de-DE" smtClean="0"/>
-              <a:t>17.05.2013</a:t>
+              <a:t>14.04.2015</a:t>
             </a:fld>
             <a:endParaRPr lang="de-DE" dirty="0"/>
           </a:p>
@@ -14474,7 +14474,7 @@
         <p:spPr>
           <a:xfrm>
             <a:off x="503238" y="1449388"/>
-            <a:ext cx="8640762" cy="5003800"/>
+            <a:ext cx="7811544" cy="5003800"/>
           </a:xfrm>
         </p:spPr>
         <p:txBody>
@@ -14737,7 +14737,7 @@
           <a:p>
             <a:fld id="{5E32EE8B-BB23-4EC0-A473-D2DDB0431929}" type="datetime1">
               <a:rPr lang="de-DE" smtClean="0"/>
-              <a:t>17.05.2013</a:t>
+              <a:t>14.04.2015</a:t>
             </a:fld>
             <a:endParaRPr lang="de-DE" dirty="0"/>
           </a:p>
@@ -15151,7 +15151,7 @@
           <a:p>
             <a:fld id="{7FF5970D-318A-4820-AA96-8DB5043AAC88}" type="datetime1">
               <a:rPr lang="de-DE" smtClean="0"/>
-              <a:t>17.05.2013</a:t>
+              <a:t>14.04.2015</a:t>
             </a:fld>
             <a:endParaRPr lang="de-DE" dirty="0"/>
           </a:p>
@@ -15258,7 +15258,7 @@
           <a:p>
             <a:fld id="{D298286E-66C5-4BB5-B4E9-FCB597AF30C7}" type="datetime1">
               <a:rPr lang="de-DE" smtClean="0"/>
-              <a:t>17.05.2013</a:t>
+              <a:t>14.04.2015</a:t>
             </a:fld>
             <a:endParaRPr lang="de-DE" dirty="0"/>
           </a:p>
